--- a/teaching/stat1012/2020S/review_post_midterm.pptx
+++ b/teaching/stat1012/2020S/review_post_midterm.pptx
@@ -14222,7 +14222,7 @@
           <a:p>
             <a:fld id="{ED291B17-9318-49DB-B28B-6E5994AE9581}" type="datetime1">
               <a:rPr lang="en-US" smtClean="0"/>
-              <a:t>3/30/2020</a:t>
+              <a:t>5/19/2022</a:t>
             </a:fld>
             <a:endParaRPr lang="en-US" dirty="0"/>
           </a:p>
@@ -14419,7 +14419,7 @@
           <a:p>
             <a:fld id="{78DD82B9-B8EE-4375-B6FF-88FA6ABB15D9}" type="datetime1">
               <a:rPr lang="en-US" smtClean="0"/>
-              <a:t>3/30/2020</a:t>
+              <a:t>5/19/2022</a:t>
             </a:fld>
             <a:endParaRPr lang="en-US" dirty="0"/>
           </a:p>
@@ -14731,7 +14731,7 @@
           <a:p>
             <a:fld id="{B2497495-0637-405E-AE64-5CC7506D51F5}" type="datetime1">
               <a:rPr lang="en-US" smtClean="0"/>
-              <a:t>3/30/2020</a:t>
+              <a:t>5/19/2022</a:t>
             </a:fld>
             <a:endParaRPr lang="en-US" dirty="0"/>
           </a:p>
@@ -14984,7 +14984,7 @@
           <a:p>
             <a:fld id="{7BFFD690-9426-415D-8B65-26881E07B2D4}" type="datetime1">
               <a:rPr lang="en-US" smtClean="0"/>
-              <a:t>3/30/2020</a:t>
+              <a:t>5/19/2022</a:t>
             </a:fld>
             <a:endParaRPr lang="en-US" dirty="0"/>
           </a:p>
@@ -15406,7 +15406,7 @@
           <a:p>
             <a:fld id="{04C4989A-474C-40DE-95B9-011C28B71673}" type="datetime1">
               <a:rPr lang="en-US" smtClean="0"/>
-              <a:t>3/30/2020</a:t>
+              <a:t>5/19/2022</a:t>
             </a:fld>
             <a:endParaRPr lang="en-US" dirty="0"/>
           </a:p>
@@ -15529,7 +15529,7 @@
           <a:p>
             <a:fld id="{5DB4ED54-5B5E-4A04-93D3-5772E3CE3818}" type="datetime1">
               <a:rPr lang="en-US" smtClean="0"/>
-              <a:t>3/30/2020</a:t>
+              <a:t>5/19/2022</a:t>
             </a:fld>
             <a:endParaRPr lang="en-US" dirty="0"/>
           </a:p>
@@ -15624,7 +15624,7 @@
           <a:p>
             <a:fld id="{4EDE50D6-574B-40AF-946F-D52A04ADE379}" type="datetime1">
               <a:rPr lang="en-US" smtClean="0"/>
-              <a:t>3/30/2020</a:t>
+              <a:t>5/19/2022</a:t>
             </a:fld>
             <a:endParaRPr lang="en-US" dirty="0"/>
           </a:p>
@@ -16001,7 +16001,7 @@
           <a:p>
             <a:fld id="{D82884F1-FFEA-405F-9602-3DCA865EDA4E}" type="datetime1">
               <a:rPr lang="en-US" smtClean="0"/>
-              <a:t>3/30/2020</a:t>
+              <a:t>5/19/2022</a:t>
             </a:fld>
             <a:endParaRPr lang="en-US" dirty="0"/>
           </a:p>
@@ -16294,7 +16294,7 @@
           <a:p>
             <a:fld id="{7E18DB4A-8810-4A10-AD5C-D5E2C667F5B3}" type="datetime1">
               <a:rPr lang="en-US" smtClean="0"/>
-              <a:t>3/30/2020</a:t>
+              <a:t>5/19/2022</a:t>
             </a:fld>
             <a:endParaRPr lang="en-US" dirty="0"/>
           </a:p>
@@ -16509,7 +16509,7 @@
           <a:p>
             <a:fld id="{ED291B17-9318-49DB-B28B-6E5994AE9581}" type="datetime1">
               <a:rPr lang="en-US" smtClean="0"/>
-              <a:t>3/30/2020</a:t>
+              <a:t>5/19/2022</a:t>
             </a:fld>
             <a:endParaRPr lang="en-US" dirty="0"/>
           </a:p>
@@ -17551,8 +17551,8 @@
           </a:p>
         </p:txBody>
       </p:sp>
-      <mc:AlternateContent xmlns:mc="http://schemas.openxmlformats.org/markup-compatibility/2006">
-        <mc:Choice xmlns:a14="http://schemas.microsoft.com/office/drawing/2010/main" Requires="a14">
+      <mc:AlternateContent xmlns:mc="http://schemas.openxmlformats.org/markup-compatibility/2006" xmlns:a14="http://schemas.microsoft.com/office/drawing/2010/main">
+        <mc:Choice Requires="a14">
           <p:sp>
             <p:nvSpPr>
               <p:cNvPr id="4" name="Content Placeholder 3">
@@ -17581,19 +17581,27 @@
                 <a14:m>
                   <m:oMath xmlns:m="http://schemas.openxmlformats.org/officeDocument/2006/math">
                     <m:r>
-                      <a:rPr lang="en-US" i="1"/>
+                      <a:rPr lang="en-US" i="1">
+                        <a:latin typeface="Cambria Math" panose="02040503050406030204" pitchFamily="18" charset="0"/>
+                      </a:rPr>
                       <m:t>𝑍</m:t>
                     </m:r>
                     <m:r>
-                      <a:rPr lang="en-US" i="1"/>
+                      <a:rPr lang="en-US" i="1">
+                        <a:latin typeface="Cambria Math" panose="02040503050406030204" pitchFamily="18" charset="0"/>
+                      </a:rPr>
                       <m:t>~</m:t>
                     </m:r>
                     <m:r>
-                      <a:rPr lang="en-US" i="1"/>
+                      <a:rPr lang="en-US" i="1">
+                        <a:latin typeface="Cambria Math" panose="02040503050406030204" pitchFamily="18" charset="0"/>
+                      </a:rPr>
                       <m:t>𝑁</m:t>
                     </m:r>
                     <m:r>
-                      <a:rPr lang="en-US" i="1"/>
+                      <a:rPr lang="en-US" i="1">
+                        <a:latin typeface="Cambria Math" panose="02040503050406030204" pitchFamily="18" charset="0"/>
+                      </a:rPr>
                       <m:t>(0,1)</m:t>
                     </m:r>
                   </m:oMath>
@@ -17608,50 +17616,70 @@
                 <a14:m>
                   <m:oMath xmlns:m="http://schemas.openxmlformats.org/officeDocument/2006/math">
                     <m:r>
-                      <a:rPr lang="en-US" i="1"/>
+                      <a:rPr lang="en-US" i="1">
+                        <a:latin typeface="Cambria Math" panose="02040503050406030204" pitchFamily="18" charset="0"/>
+                      </a:rPr>
                       <m:t>𝑋</m:t>
                     </m:r>
                     <m:r>
-                      <a:rPr lang="en-US" i="1"/>
+                      <a:rPr lang="en-US" i="1">
+                        <a:latin typeface="Cambria Math" panose="02040503050406030204" pitchFamily="18" charset="0"/>
+                      </a:rPr>
                       <m:t>~</m:t>
                     </m:r>
                     <m:r>
-                      <a:rPr lang="en-US" i="1"/>
+                      <a:rPr lang="en-US" i="1">
+                        <a:latin typeface="Cambria Math" panose="02040503050406030204" pitchFamily="18" charset="0"/>
+                      </a:rPr>
                       <m:t>𝑁</m:t>
                     </m:r>
                     <m:r>
-                      <a:rPr lang="en-US" i="1"/>
+                      <a:rPr lang="en-US" i="1">
+                        <a:latin typeface="Cambria Math" panose="02040503050406030204" pitchFamily="18" charset="0"/>
+                      </a:rPr>
                       <m:t>(</m:t>
                     </m:r>
                     <m:r>
-                      <a:rPr lang="en-US" i="1"/>
+                      <a:rPr lang="en-US" i="1">
+                        <a:latin typeface="Cambria Math" panose="02040503050406030204" pitchFamily="18" charset="0"/>
+                      </a:rPr>
                       <m:t>𝜇</m:t>
                     </m:r>
                     <m:r>
-                      <a:rPr lang="en-US" i="1"/>
+                      <a:rPr lang="en-US" i="1">
+                        <a:latin typeface="Cambria Math" panose="02040503050406030204" pitchFamily="18" charset="0"/>
+                      </a:rPr>
                       <m:t>,</m:t>
                     </m:r>
                     <m:sSup>
                       <m:sSupPr>
                         <m:ctrlPr>
-                          <a:rPr lang="en-HK" i="1"/>
+                          <a:rPr lang="en-HK" i="1">
+                            <a:latin typeface="Cambria Math" panose="02040503050406030204" pitchFamily="18" charset="0"/>
+                          </a:rPr>
                         </m:ctrlPr>
                       </m:sSupPr>
                       <m:e>
                         <m:r>
-                          <a:rPr lang="en-US" i="1"/>
+                          <a:rPr lang="en-US" i="1">
+                            <a:latin typeface="Cambria Math" panose="02040503050406030204" pitchFamily="18" charset="0"/>
+                          </a:rPr>
                           <m:t>𝜎</m:t>
                         </m:r>
                       </m:e>
                       <m:sup>
                         <m:r>
-                          <a:rPr lang="en-US" i="1"/>
+                          <a:rPr lang="en-US" i="1">
+                            <a:latin typeface="Cambria Math" panose="02040503050406030204" pitchFamily="18" charset="0"/>
+                          </a:rPr>
                           <m:t>2</m:t>
                         </m:r>
                       </m:sup>
                     </m:sSup>
                     <m:r>
-                      <a:rPr lang="en-US" i="1"/>
+                      <a:rPr lang="en-US" i="1">
+                        <a:latin typeface="Cambria Math" panose="02040503050406030204" pitchFamily="18" charset="0"/>
+                      </a:rPr>
                       <m:t>)</m:t>
                     </m:r>
                   </m:oMath>
@@ -17665,40 +17693,56 @@
                     <m:f>
                       <m:fPr>
                         <m:ctrlPr>
-                          <a:rPr lang="en-HK" i="1"/>
+                          <a:rPr lang="en-HK" i="1">
+                            <a:latin typeface="Cambria Math" panose="02040503050406030204" pitchFamily="18" charset="0"/>
+                          </a:rPr>
                         </m:ctrlPr>
                       </m:fPr>
                       <m:num>
                         <m:r>
-                          <a:rPr lang="en-US" i="1"/>
+                          <a:rPr lang="en-US" i="1">
+                            <a:latin typeface="Cambria Math" panose="02040503050406030204" pitchFamily="18" charset="0"/>
+                          </a:rPr>
                           <m:t>𝑋</m:t>
                         </m:r>
                         <m:r>
-                          <a:rPr lang="en-US" i="1"/>
+                          <a:rPr lang="en-US" i="1">
+                            <a:latin typeface="Cambria Math" panose="02040503050406030204" pitchFamily="18" charset="0"/>
+                          </a:rPr>
                           <m:t>−</m:t>
                         </m:r>
                         <m:r>
-                          <a:rPr lang="en-US" i="1"/>
+                          <a:rPr lang="en-US" i="1">
+                            <a:latin typeface="Cambria Math" panose="02040503050406030204" pitchFamily="18" charset="0"/>
+                          </a:rPr>
                           <m:t>𝜇</m:t>
                         </m:r>
                       </m:num>
                       <m:den>
                         <m:r>
-                          <a:rPr lang="en-US" i="1"/>
+                          <a:rPr lang="en-US" i="1">
+                            <a:latin typeface="Cambria Math" panose="02040503050406030204" pitchFamily="18" charset="0"/>
+                          </a:rPr>
                           <m:t>𝜎</m:t>
                         </m:r>
                       </m:den>
                     </m:f>
                     <m:r>
-                      <a:rPr lang="en-US" i="1"/>
+                      <a:rPr lang="en-US" i="1">
+                        <a:latin typeface="Cambria Math" panose="02040503050406030204" pitchFamily="18" charset="0"/>
+                      </a:rPr>
                       <m:t>~</m:t>
                     </m:r>
                     <m:r>
-                      <a:rPr lang="en-US" i="1"/>
+                      <a:rPr lang="en-US" i="1">
+                        <a:latin typeface="Cambria Math" panose="02040503050406030204" pitchFamily="18" charset="0"/>
+                      </a:rPr>
                       <m:t>𝑁</m:t>
                     </m:r>
                     <m:r>
-                      <a:rPr lang="en-US" i="1"/>
+                      <a:rPr lang="en-US" i="1">
+                        <a:latin typeface="Cambria Math" panose="02040503050406030204" pitchFamily="18" charset="0"/>
+                      </a:rPr>
                       <m:t>(0,1)</m:t>
                     </m:r>
                   </m:oMath>
@@ -17723,115 +17767,161 @@
                 <a14:m>
                   <m:oMath xmlns:m="http://schemas.openxmlformats.org/officeDocument/2006/math">
                     <m:r>
-                      <a:rPr lang="en-US" i="1"/>
+                      <a:rPr lang="en-US" i="1">
+                        <a:latin typeface="Cambria Math" panose="02040503050406030204" pitchFamily="18" charset="0"/>
+                      </a:rPr>
                       <m:t>𝑃</m:t>
                     </m:r>
                     <m:d>
                       <m:dPr>
                         <m:ctrlPr>
-                          <a:rPr lang="en-HK" i="1"/>
+                          <a:rPr lang="en-HK" i="1">
+                            <a:latin typeface="Cambria Math" panose="02040503050406030204" pitchFamily="18" charset="0"/>
+                          </a:rPr>
                         </m:ctrlPr>
                       </m:dPr>
                       <m:e>
                         <m:r>
-                          <a:rPr lang="en-US" i="1"/>
+                          <a:rPr lang="en-US" i="1">
+                            <a:latin typeface="Cambria Math" panose="02040503050406030204" pitchFamily="18" charset="0"/>
+                          </a:rPr>
                           <m:t>𝑎</m:t>
                         </m:r>
                         <m:r>
-                          <a:rPr lang="en-US" i="1"/>
+                          <a:rPr lang="en-US" i="1">
+                            <a:latin typeface="Cambria Math" panose="02040503050406030204" pitchFamily="18" charset="0"/>
+                          </a:rPr>
                           <m:t>&lt;</m:t>
                         </m:r>
                         <m:r>
-                          <a:rPr lang="en-US" i="1"/>
+                          <a:rPr lang="en-US" i="1">
+                            <a:latin typeface="Cambria Math" panose="02040503050406030204" pitchFamily="18" charset="0"/>
+                          </a:rPr>
                           <m:t>𝑋</m:t>
                         </m:r>
                         <m:r>
-                          <a:rPr lang="en-US" i="1"/>
+                          <a:rPr lang="en-US" i="1">
+                            <a:latin typeface="Cambria Math" panose="02040503050406030204" pitchFamily="18" charset="0"/>
+                          </a:rPr>
                           <m:t>&lt;</m:t>
                         </m:r>
                         <m:r>
-                          <a:rPr lang="en-US" i="1"/>
+                          <a:rPr lang="en-US" i="1">
+                            <a:latin typeface="Cambria Math" panose="02040503050406030204" pitchFamily="18" charset="0"/>
+                          </a:rPr>
                           <m:t>𝑏</m:t>
                         </m:r>
                       </m:e>
                     </m:d>
                     <m:r>
-                      <a:rPr lang="en-US" i="1"/>
+                      <a:rPr lang="en-US" i="1">
+                        <a:latin typeface="Cambria Math" panose="02040503050406030204" pitchFamily="18" charset="0"/>
+                      </a:rPr>
                       <m:t>=</m:t>
                     </m:r>
                     <m:r>
-                      <a:rPr lang="en-US" i="1"/>
+                      <a:rPr lang="en-US" i="1">
+                        <a:latin typeface="Cambria Math" panose="02040503050406030204" pitchFamily="18" charset="0"/>
+                      </a:rPr>
                       <m:t>𝑃</m:t>
                     </m:r>
                     <m:d>
                       <m:dPr>
                         <m:ctrlPr>
-                          <a:rPr lang="en-HK" i="1"/>
+                          <a:rPr lang="en-HK" i="1">
+                            <a:latin typeface="Cambria Math" panose="02040503050406030204" pitchFamily="18" charset="0"/>
+                          </a:rPr>
                         </m:ctrlPr>
                       </m:dPr>
                       <m:e>
                         <m:f>
                           <m:fPr>
                             <m:ctrlPr>
-                              <a:rPr lang="en-HK" i="1"/>
+                              <a:rPr lang="en-HK" i="1">
+                                <a:latin typeface="Cambria Math" panose="02040503050406030204" pitchFamily="18" charset="0"/>
+                              </a:rPr>
                             </m:ctrlPr>
                           </m:fPr>
                           <m:num>
                             <m:r>
-                              <a:rPr lang="en-US" i="1"/>
+                              <a:rPr lang="en-US" i="1">
+                                <a:latin typeface="Cambria Math" panose="02040503050406030204" pitchFamily="18" charset="0"/>
+                              </a:rPr>
                               <m:t>𝑎</m:t>
                             </m:r>
                             <m:r>
-                              <a:rPr lang="en-US" i="1"/>
+                              <a:rPr lang="en-US" i="1">
+                                <a:latin typeface="Cambria Math" panose="02040503050406030204" pitchFamily="18" charset="0"/>
+                              </a:rPr>
                               <m:t>−</m:t>
                             </m:r>
                             <m:r>
-                              <a:rPr lang="en-US" i="1"/>
+                              <a:rPr lang="en-US" i="1">
+                                <a:latin typeface="Cambria Math" panose="02040503050406030204" pitchFamily="18" charset="0"/>
+                              </a:rPr>
                               <m:t>𝜇</m:t>
                             </m:r>
                           </m:num>
                           <m:den>
                             <m:r>
-                              <a:rPr lang="en-US" i="1"/>
+                              <a:rPr lang="en-US" i="1">
+                                <a:latin typeface="Cambria Math" panose="02040503050406030204" pitchFamily="18" charset="0"/>
+                              </a:rPr>
                               <m:t>𝜎</m:t>
                             </m:r>
                           </m:den>
                         </m:f>
                         <m:r>
-                          <a:rPr lang="en-US" i="1"/>
+                          <a:rPr lang="en-US" i="1">
+                            <a:latin typeface="Cambria Math" panose="02040503050406030204" pitchFamily="18" charset="0"/>
+                          </a:rPr>
                           <m:t>&lt;</m:t>
                         </m:r>
                         <m:r>
-                          <a:rPr lang="en-US" i="1"/>
+                          <a:rPr lang="en-US" i="1">
+                            <a:latin typeface="Cambria Math" panose="02040503050406030204" pitchFamily="18" charset="0"/>
+                          </a:rPr>
                           <m:t>𝑍</m:t>
                         </m:r>
                         <m:r>
-                          <a:rPr lang="en-US" i="1"/>
+                          <a:rPr lang="en-US" i="1">
+                            <a:latin typeface="Cambria Math" panose="02040503050406030204" pitchFamily="18" charset="0"/>
+                          </a:rPr>
                           <m:t>&lt;</m:t>
                         </m:r>
                         <m:f>
                           <m:fPr>
                             <m:ctrlPr>
-                              <a:rPr lang="en-HK" i="1"/>
+                              <a:rPr lang="en-HK" i="1">
+                                <a:latin typeface="Cambria Math" panose="02040503050406030204" pitchFamily="18" charset="0"/>
+                              </a:rPr>
                             </m:ctrlPr>
                           </m:fPr>
                           <m:num>
                             <m:r>
-                              <a:rPr lang="en-US" i="1"/>
+                              <a:rPr lang="en-US" i="1">
+                                <a:latin typeface="Cambria Math" panose="02040503050406030204" pitchFamily="18" charset="0"/>
+                              </a:rPr>
                               <m:t>𝑏</m:t>
                             </m:r>
                             <m:r>
-                              <a:rPr lang="en-US" i="1"/>
+                              <a:rPr lang="en-US" i="1">
+                                <a:latin typeface="Cambria Math" panose="02040503050406030204" pitchFamily="18" charset="0"/>
+                              </a:rPr>
                               <m:t>−</m:t>
                             </m:r>
                             <m:r>
-                              <a:rPr lang="en-US" i="1"/>
+                              <a:rPr lang="en-US" i="1">
+                                <a:latin typeface="Cambria Math" panose="02040503050406030204" pitchFamily="18" charset="0"/>
+                              </a:rPr>
                               <m:t>𝜇</m:t>
                             </m:r>
                           </m:num>
                           <m:den>
                             <m:r>
-                              <a:rPr lang="en-US" i="1"/>
+                              <a:rPr lang="en-US" i="1">
+                                <a:latin typeface="Cambria Math" panose="02040503050406030204" pitchFamily="18" charset="0"/>
+                              </a:rPr>
                               <m:t>𝜎</m:t>
                             </m:r>
                           </m:den>
@@ -17839,46 +17929,62 @@
                       </m:e>
                     </m:d>
                     <m:r>
-                      <a:rPr lang="en-US" i="1"/>
+                      <a:rPr lang="en-US" i="1">
+                        <a:latin typeface="Cambria Math" panose="02040503050406030204" pitchFamily="18" charset="0"/>
+                      </a:rPr>
                       <m:t>=</m:t>
                     </m:r>
                     <m:r>
                       <m:rPr>
                         <m:sty m:val="p"/>
                       </m:rPr>
-                      <a:rPr lang="en-US"/>
+                      <a:rPr lang="en-US">
+                        <a:latin typeface="Cambria Math" panose="02040503050406030204" pitchFamily="18" charset="0"/>
+                      </a:rPr>
                       <m:t>Φ</m:t>
                     </m:r>
                     <m:d>
                       <m:dPr>
                         <m:ctrlPr>
-                          <a:rPr lang="en-HK" i="1"/>
+                          <a:rPr lang="en-HK" i="1">
+                            <a:latin typeface="Cambria Math" panose="02040503050406030204" pitchFamily="18" charset="0"/>
+                          </a:rPr>
                         </m:ctrlPr>
                       </m:dPr>
                       <m:e>
                         <m:f>
                           <m:fPr>
                             <m:ctrlPr>
-                              <a:rPr lang="en-HK" i="1"/>
+                              <a:rPr lang="en-HK" i="1">
+                                <a:latin typeface="Cambria Math" panose="02040503050406030204" pitchFamily="18" charset="0"/>
+                              </a:rPr>
                             </m:ctrlPr>
                           </m:fPr>
                           <m:num>
                             <m:r>
-                              <a:rPr lang="en-US" i="1"/>
+                              <a:rPr lang="en-US" i="1">
+                                <a:latin typeface="Cambria Math" panose="02040503050406030204" pitchFamily="18" charset="0"/>
+                              </a:rPr>
                               <m:t>𝑏</m:t>
                             </m:r>
                             <m:r>
-                              <a:rPr lang="en-US" i="1"/>
+                              <a:rPr lang="en-US" i="1">
+                                <a:latin typeface="Cambria Math" panose="02040503050406030204" pitchFamily="18" charset="0"/>
+                              </a:rPr>
                               <m:t>−</m:t>
                             </m:r>
                             <m:r>
-                              <a:rPr lang="en-US" i="1"/>
+                              <a:rPr lang="en-US" i="1">
+                                <a:latin typeface="Cambria Math" panose="02040503050406030204" pitchFamily="18" charset="0"/>
+                              </a:rPr>
                               <m:t>𝜇</m:t>
                             </m:r>
                           </m:num>
                           <m:den>
                             <m:r>
-                              <a:rPr lang="en-US" i="1"/>
+                              <a:rPr lang="en-US" i="1">
+                                <a:latin typeface="Cambria Math" panose="02040503050406030204" pitchFamily="18" charset="0"/>
+                              </a:rPr>
                               <m:t>𝜎</m:t>
                             </m:r>
                           </m:den>
@@ -17886,46 +17992,62 @@
                       </m:e>
                     </m:d>
                     <m:r>
-                      <a:rPr lang="en-US" i="1"/>
+                      <a:rPr lang="en-US" i="1">
+                        <a:latin typeface="Cambria Math" panose="02040503050406030204" pitchFamily="18" charset="0"/>
+                      </a:rPr>
                       <m:t>−</m:t>
                     </m:r>
                     <m:r>
                       <m:rPr>
                         <m:sty m:val="p"/>
                       </m:rPr>
-                      <a:rPr lang="en-US"/>
+                      <a:rPr lang="en-US">
+                        <a:latin typeface="Cambria Math" panose="02040503050406030204" pitchFamily="18" charset="0"/>
+                      </a:rPr>
                       <m:t>Φ</m:t>
                     </m:r>
                     <m:d>
                       <m:dPr>
                         <m:ctrlPr>
-                          <a:rPr lang="en-HK" i="1"/>
+                          <a:rPr lang="en-HK" i="1">
+                            <a:latin typeface="Cambria Math" panose="02040503050406030204" pitchFamily="18" charset="0"/>
+                          </a:rPr>
                         </m:ctrlPr>
                       </m:dPr>
                       <m:e>
                         <m:f>
                           <m:fPr>
                             <m:ctrlPr>
-                              <a:rPr lang="en-HK" i="1"/>
+                              <a:rPr lang="en-HK" i="1">
+                                <a:latin typeface="Cambria Math" panose="02040503050406030204" pitchFamily="18" charset="0"/>
+                              </a:rPr>
                             </m:ctrlPr>
                           </m:fPr>
                           <m:num>
                             <m:r>
-                              <a:rPr lang="en-US" i="1"/>
+                              <a:rPr lang="en-US" i="1">
+                                <a:latin typeface="Cambria Math" panose="02040503050406030204" pitchFamily="18" charset="0"/>
+                              </a:rPr>
                               <m:t>𝑎</m:t>
                             </m:r>
                             <m:r>
-                              <a:rPr lang="en-US" i="1"/>
+                              <a:rPr lang="en-US" i="1">
+                                <a:latin typeface="Cambria Math" panose="02040503050406030204" pitchFamily="18" charset="0"/>
+                              </a:rPr>
                               <m:t>−</m:t>
                             </m:r>
                             <m:r>
-                              <a:rPr lang="en-US" i="1"/>
+                              <a:rPr lang="en-US" i="1">
+                                <a:latin typeface="Cambria Math" panose="02040503050406030204" pitchFamily="18" charset="0"/>
+                              </a:rPr>
                               <m:t>𝜇</m:t>
                             </m:r>
                           </m:num>
                           <m:den>
                             <m:r>
-                              <a:rPr lang="en-US" i="1"/>
+                              <a:rPr lang="en-US" i="1">
+                                <a:latin typeface="Cambria Math" panose="02040503050406030204" pitchFamily="18" charset="0"/>
+                              </a:rPr>
                               <m:t>𝜎</m:t>
                             </m:r>
                           </m:den>
@@ -17952,7 +18074,7 @@
             </p:txBody>
           </p:sp>
         </mc:Choice>
-        <mc:Fallback>
+        <mc:Fallback xmlns="">
           <p:sp>
             <p:nvSpPr>
               <p:cNvPr id="4" name="Content Placeholder 3">
@@ -19152,8 +19274,8 @@
           </a:p>
         </p:txBody>
       </p:sp>
-      <mc:AlternateContent xmlns:mc="http://schemas.openxmlformats.org/markup-compatibility/2006">
-        <mc:Choice xmlns:a14="http://schemas.microsoft.com/office/drawing/2010/main" Requires="a14">
+      <mc:AlternateContent xmlns:mc="http://schemas.openxmlformats.org/markup-compatibility/2006" xmlns:a14="http://schemas.microsoft.com/office/drawing/2010/main">
+        <mc:Choice Requires="a14">
           <p:sp>
             <p:nvSpPr>
               <p:cNvPr id="4" name="Content Placeholder 3">
@@ -19500,7 +19622,7 @@
             </p:txBody>
           </p:sp>
         </mc:Choice>
-        <mc:Fallback>
+        <mc:Fallback xmlns="">
           <p:sp>
             <p:nvSpPr>
               <p:cNvPr id="4" name="Content Placeholder 3">
@@ -19540,8 +19662,8 @@
           </p:sp>
         </mc:Fallback>
       </mc:AlternateContent>
-      <mc:AlternateContent xmlns:mc="http://schemas.openxmlformats.org/markup-compatibility/2006">
-        <mc:Choice xmlns:a14="http://schemas.microsoft.com/office/drawing/2010/main" Requires="a14">
+      <mc:AlternateContent xmlns:mc="http://schemas.openxmlformats.org/markup-compatibility/2006" xmlns:a14="http://schemas.microsoft.com/office/drawing/2010/main">
+        <mc:Choice Requires="a14">
           <p:sp>
             <p:nvSpPr>
               <p:cNvPr id="5" name="Content Placeholder 4">
@@ -19974,7 +20096,7 @@
             </p:txBody>
           </p:sp>
         </mc:Choice>
-        <mc:Fallback>
+        <mc:Fallback xmlns="">
           <p:sp>
             <p:nvSpPr>
               <p:cNvPr id="5" name="Content Placeholder 4">
@@ -20544,7 +20666,7 @@
                 <a:pPr lvl="1"/>
                 <a:r>
                   <a:rPr lang="en-HK" dirty="0"/>
-                  <a:t>Mutual independence does not imply pairwise independence, vice versa</a:t>
+                  <a:t>Mutual independence implies pairwise but not vice versa</a:t>
                 </a:r>
               </a:p>
               <a:p>
@@ -20654,8 +20776,8 @@
           </a:p>
         </p:txBody>
       </p:sp>
-      <mc:AlternateContent xmlns:mc="http://schemas.openxmlformats.org/markup-compatibility/2006">
-        <mc:Choice xmlns:a14="http://schemas.microsoft.com/office/drawing/2010/main" Requires="a14">
+      <mc:AlternateContent xmlns:mc="http://schemas.openxmlformats.org/markup-compatibility/2006" xmlns:a14="http://schemas.microsoft.com/office/drawing/2010/main">
+        <mc:Choice Requires="a14">
           <p:sp>
             <p:nvSpPr>
               <p:cNvPr id="3" name="Content Placeholder 2">
@@ -20680,31 +20802,41 @@
                 <a14:m>
                   <m:oMath xmlns:m="http://schemas.openxmlformats.org/officeDocument/2006/math">
                     <m:r>
-                      <a:rPr lang="en-US" i="1" smtClean="0"/>
+                      <a:rPr lang="en-US" i="1" smtClean="0">
+                        <a:latin typeface="Cambria Math" panose="02040503050406030204" pitchFamily="18" charset="0"/>
+                      </a:rPr>
                       <m:t>𝑃</m:t>
                     </m:r>
                     <m:d>
                       <m:dPr>
                         <m:ctrlPr>
-                          <a:rPr lang="en-HK" i="1"/>
+                          <a:rPr lang="en-HK" i="1">
+                            <a:latin typeface="Cambria Math" panose="02040503050406030204" pitchFamily="18" charset="0"/>
+                          </a:rPr>
                         </m:ctrlPr>
                       </m:dPr>
                       <m:e>
                         <m:sSub>
                           <m:sSubPr>
                             <m:ctrlPr>
-                              <a:rPr lang="en-HK" i="1"/>
+                              <a:rPr lang="en-HK" i="1">
+                                <a:latin typeface="Cambria Math" panose="02040503050406030204" pitchFamily="18" charset="0"/>
+                              </a:rPr>
                             </m:ctrlPr>
                           </m:sSubPr>
                           <m:e>
                             <m:r>
-                              <a:rPr lang="en-US" i="1"/>
+                              <a:rPr lang="en-US" i="1">
+                                <a:latin typeface="Cambria Math" panose="02040503050406030204" pitchFamily="18" charset="0"/>
+                              </a:rPr>
                               <m:t>𝐴</m:t>
                             </m:r>
                           </m:e>
                           <m:sub>
                             <m:r>
-                              <a:rPr lang="en-US" i="1"/>
+                              <a:rPr lang="en-US" i="1">
+                                <a:latin typeface="Cambria Math" panose="02040503050406030204" pitchFamily="18" charset="0"/>
+                              </a:rPr>
                               <m:t>𝑖</m:t>
                             </m:r>
                           </m:sub>
@@ -20712,58 +20844,78 @@
                       </m:e>
                       <m:e>
                         <m:r>
-                          <a:rPr lang="en-US" i="1"/>
+                          <a:rPr lang="en-US" i="1">
+                            <a:latin typeface="Cambria Math" panose="02040503050406030204" pitchFamily="18" charset="0"/>
+                          </a:rPr>
                           <m:t>𝐵</m:t>
                         </m:r>
                       </m:e>
                     </m:d>
                     <m:r>
-                      <a:rPr lang="en-US" i="1"/>
+                      <a:rPr lang="en-US" i="1">
+                        <a:latin typeface="Cambria Math" panose="02040503050406030204" pitchFamily="18" charset="0"/>
+                      </a:rPr>
                       <m:t>=</m:t>
                     </m:r>
                     <m:f>
                       <m:fPr>
                         <m:ctrlPr>
-                          <a:rPr lang="en-HK" i="1"/>
+                          <a:rPr lang="en-HK" i="1">
+                            <a:latin typeface="Cambria Math" panose="02040503050406030204" pitchFamily="18" charset="0"/>
+                          </a:rPr>
                         </m:ctrlPr>
                       </m:fPr>
                       <m:num>
                         <m:r>
-                          <a:rPr lang="en-US" i="1"/>
+                          <a:rPr lang="en-US" i="1">
+                            <a:latin typeface="Cambria Math" panose="02040503050406030204" pitchFamily="18" charset="0"/>
+                          </a:rPr>
                           <m:t>𝑃</m:t>
                         </m:r>
                         <m:d>
                           <m:dPr>
                             <m:ctrlPr>
-                              <a:rPr lang="en-HK" i="1"/>
+                              <a:rPr lang="en-HK" i="1">
+                                <a:latin typeface="Cambria Math" panose="02040503050406030204" pitchFamily="18" charset="0"/>
+                              </a:rPr>
                             </m:ctrlPr>
                           </m:dPr>
                           <m:e>
                             <m:sSub>
                               <m:sSubPr>
                                 <m:ctrlPr>
-                                  <a:rPr lang="en-HK" i="1"/>
+                                  <a:rPr lang="en-HK" i="1">
+                                    <a:latin typeface="Cambria Math" panose="02040503050406030204" pitchFamily="18" charset="0"/>
+                                  </a:rPr>
                                 </m:ctrlPr>
                               </m:sSubPr>
                               <m:e>
                                 <m:r>
-                                  <a:rPr lang="en-US" i="1"/>
+                                  <a:rPr lang="en-US" i="1">
+                                    <a:latin typeface="Cambria Math" panose="02040503050406030204" pitchFamily="18" charset="0"/>
+                                  </a:rPr>
                                   <m:t>𝐴</m:t>
                                 </m:r>
                               </m:e>
                               <m:sub>
                                 <m:r>
-                                  <a:rPr lang="en-US" i="1"/>
+                                  <a:rPr lang="en-US" i="1">
+                                    <a:latin typeface="Cambria Math" panose="02040503050406030204" pitchFamily="18" charset="0"/>
+                                  </a:rPr>
                                   <m:t>𝑖</m:t>
                                 </m:r>
                               </m:sub>
                             </m:sSub>
                             <m:r>
-                              <a:rPr lang="en-US" i="1"/>
+                              <a:rPr lang="en-US" i="1">
+                                <a:latin typeface="Cambria Math" panose="02040503050406030204" pitchFamily="18" charset="0"/>
+                              </a:rPr>
                               <m:t>∩</m:t>
                             </m:r>
                             <m:r>
-                              <a:rPr lang="en-US" i="1"/>
+                              <a:rPr lang="en-US" i="1">
+                                <a:latin typeface="Cambria Math" panose="02040503050406030204" pitchFamily="18" charset="0"/>
+                              </a:rPr>
                               <m:t>𝐵</m:t>
                             </m:r>
                           </m:e>
@@ -20771,18 +20923,24 @@
                       </m:num>
                       <m:den>
                         <m:r>
-                          <a:rPr lang="en-US" i="1"/>
+                          <a:rPr lang="en-US" i="1">
+                            <a:latin typeface="Cambria Math" panose="02040503050406030204" pitchFamily="18" charset="0"/>
+                          </a:rPr>
                           <m:t>𝑃</m:t>
                         </m:r>
                         <m:d>
                           <m:dPr>
                             <m:ctrlPr>
-                              <a:rPr lang="en-HK" i="1"/>
+                              <a:rPr lang="en-HK" i="1">
+                                <a:latin typeface="Cambria Math" panose="02040503050406030204" pitchFamily="18" charset="0"/>
+                              </a:rPr>
                             </m:ctrlPr>
                           </m:dPr>
                           <m:e>
                             <m:r>
-                              <a:rPr lang="en-US" i="1"/>
+                              <a:rPr lang="en-US" i="1">
+                                <a:latin typeface="Cambria Math" panose="02040503050406030204" pitchFamily="18" charset="0"/>
+                              </a:rPr>
                               <m:t>𝐵</m:t>
                             </m:r>
                           </m:e>
@@ -20790,42 +20948,56 @@
                       </m:den>
                     </m:f>
                     <m:r>
-                      <a:rPr lang="en-US" i="1"/>
+                      <a:rPr lang="en-US" i="1">
+                        <a:latin typeface="Cambria Math" panose="02040503050406030204" pitchFamily="18" charset="0"/>
+                      </a:rPr>
                       <m:t>=</m:t>
                     </m:r>
                     <m:f>
                       <m:fPr>
                         <m:ctrlPr>
-                          <a:rPr lang="en-HK" i="1"/>
+                          <a:rPr lang="en-HK" i="1">
+                            <a:latin typeface="Cambria Math" panose="02040503050406030204" pitchFamily="18" charset="0"/>
+                          </a:rPr>
                         </m:ctrlPr>
                       </m:fPr>
                       <m:num>
                         <m:r>
-                          <a:rPr lang="en-US" i="1"/>
+                          <a:rPr lang="en-US" i="1">
+                            <a:latin typeface="Cambria Math" panose="02040503050406030204" pitchFamily="18" charset="0"/>
+                          </a:rPr>
                           <m:t>𝑃</m:t>
                         </m:r>
                         <m:d>
                           <m:dPr>
                             <m:ctrlPr>
-                              <a:rPr lang="en-HK" i="1"/>
+                              <a:rPr lang="en-HK" i="1">
+                                <a:latin typeface="Cambria Math" panose="02040503050406030204" pitchFamily="18" charset="0"/>
+                              </a:rPr>
                             </m:ctrlPr>
                           </m:dPr>
                           <m:e>
                             <m:sSub>
                               <m:sSubPr>
                                 <m:ctrlPr>
-                                  <a:rPr lang="en-HK" i="1"/>
+                                  <a:rPr lang="en-HK" i="1">
+                                    <a:latin typeface="Cambria Math" panose="02040503050406030204" pitchFamily="18" charset="0"/>
+                                  </a:rPr>
                                 </m:ctrlPr>
                               </m:sSubPr>
                               <m:e>
                                 <m:r>
-                                  <a:rPr lang="en-US" i="1"/>
+                                  <a:rPr lang="en-US" i="1">
+                                    <a:latin typeface="Cambria Math" panose="02040503050406030204" pitchFamily="18" charset="0"/>
+                                  </a:rPr>
                                   <m:t>𝐴</m:t>
                                 </m:r>
                               </m:e>
                               <m:sub>
                                 <m:r>
-                                  <a:rPr lang="en-US" i="1"/>
+                                  <a:rPr lang="en-US" i="1">
+                                    <a:latin typeface="Cambria Math" panose="02040503050406030204" pitchFamily="18" charset="0"/>
+                                  </a:rPr>
                                   <m:t>𝑖</m:t>
                                 </m:r>
                               </m:sub>
@@ -20833,59 +21005,81 @@
                           </m:e>
                         </m:d>
                         <m:r>
-                          <a:rPr lang="en-US" i="1"/>
+                          <a:rPr lang="en-US" i="1">
+                            <a:latin typeface="Cambria Math" panose="02040503050406030204" pitchFamily="18" charset="0"/>
+                          </a:rPr>
                           <m:t>𝑃</m:t>
                         </m:r>
                         <m:r>
-                          <a:rPr lang="en-US" i="1"/>
+                          <a:rPr lang="en-US" i="1">
+                            <a:latin typeface="Cambria Math" panose="02040503050406030204" pitchFamily="18" charset="0"/>
+                          </a:rPr>
                           <m:t>(</m:t>
                         </m:r>
                         <m:r>
-                          <a:rPr lang="en-US" i="1"/>
+                          <a:rPr lang="en-US" i="1">
+                            <a:latin typeface="Cambria Math" panose="02040503050406030204" pitchFamily="18" charset="0"/>
+                          </a:rPr>
                           <m:t>𝐵</m:t>
                         </m:r>
                         <m:r>
-                          <a:rPr lang="en-US" i="1"/>
+                          <a:rPr lang="en-US" i="1">
+                            <a:latin typeface="Cambria Math" panose="02040503050406030204" pitchFamily="18" charset="0"/>
+                          </a:rPr>
                           <m:t>|</m:t>
                         </m:r>
                         <m:sSub>
                           <m:sSubPr>
                             <m:ctrlPr>
-                              <a:rPr lang="en-HK" i="1"/>
+                              <a:rPr lang="en-HK" i="1">
+                                <a:latin typeface="Cambria Math" panose="02040503050406030204" pitchFamily="18" charset="0"/>
+                              </a:rPr>
                             </m:ctrlPr>
                           </m:sSubPr>
                           <m:e>
                             <m:r>
-                              <a:rPr lang="en-US" i="1"/>
+                              <a:rPr lang="en-US" i="1">
+                                <a:latin typeface="Cambria Math" panose="02040503050406030204" pitchFamily="18" charset="0"/>
+                              </a:rPr>
                               <m:t>𝐴</m:t>
                             </m:r>
                           </m:e>
                           <m:sub>
                             <m:r>
-                              <a:rPr lang="en-US" i="1"/>
+                              <a:rPr lang="en-US" i="1">
+                                <a:latin typeface="Cambria Math" panose="02040503050406030204" pitchFamily="18" charset="0"/>
+                              </a:rPr>
                               <m:t>𝑖</m:t>
                             </m:r>
                           </m:sub>
                         </m:sSub>
                         <m:r>
-                          <a:rPr lang="en-US" i="1"/>
+                          <a:rPr lang="en-US" i="1">
+                            <a:latin typeface="Cambria Math" panose="02040503050406030204" pitchFamily="18" charset="0"/>
+                          </a:rPr>
                           <m:t>)</m:t>
                         </m:r>
                       </m:num>
                       <m:den>
                         <m:r>
-                          <a:rPr lang="en-US" i="1"/>
+                          <a:rPr lang="en-US" i="1">
+                            <a:latin typeface="Cambria Math" panose="02040503050406030204" pitchFamily="18" charset="0"/>
+                          </a:rPr>
                           <m:t>𝑃</m:t>
                         </m:r>
                         <m:d>
                           <m:dPr>
                             <m:ctrlPr>
-                              <a:rPr lang="en-HK" i="1"/>
+                              <a:rPr lang="en-HK" i="1">
+                                <a:latin typeface="Cambria Math" panose="02040503050406030204" pitchFamily="18" charset="0"/>
+                              </a:rPr>
                             </m:ctrlPr>
                           </m:dPr>
                           <m:e>
                             <m:r>
-                              <a:rPr lang="en-US" i="1"/>
+                              <a:rPr lang="en-US" i="1">
+                                <a:latin typeface="Cambria Math" panose="02040503050406030204" pitchFamily="18" charset="0"/>
+                              </a:rPr>
                               <m:t>𝐵</m:t>
                             </m:r>
                           </m:e>
@@ -20893,42 +21087,56 @@
                       </m:den>
                     </m:f>
                     <m:r>
-                      <a:rPr lang="en-US" i="1"/>
+                      <a:rPr lang="en-US" i="1">
+                        <a:latin typeface="Cambria Math" panose="02040503050406030204" pitchFamily="18" charset="0"/>
+                      </a:rPr>
                       <m:t>=</m:t>
                     </m:r>
                     <m:f>
                       <m:fPr>
                         <m:ctrlPr>
-                          <a:rPr lang="en-HK" i="1"/>
+                          <a:rPr lang="en-HK" i="1">
+                            <a:latin typeface="Cambria Math" panose="02040503050406030204" pitchFamily="18" charset="0"/>
+                          </a:rPr>
                         </m:ctrlPr>
                       </m:fPr>
                       <m:num>
                         <m:r>
-                          <a:rPr lang="en-US" i="1"/>
+                          <a:rPr lang="en-US" i="1">
+                            <a:latin typeface="Cambria Math" panose="02040503050406030204" pitchFamily="18" charset="0"/>
+                          </a:rPr>
                           <m:t>𝑃</m:t>
                         </m:r>
                         <m:d>
                           <m:dPr>
                             <m:ctrlPr>
-                              <a:rPr lang="en-HK" i="1"/>
+                              <a:rPr lang="en-HK" i="1">
+                                <a:latin typeface="Cambria Math" panose="02040503050406030204" pitchFamily="18" charset="0"/>
+                              </a:rPr>
                             </m:ctrlPr>
                           </m:dPr>
                           <m:e>
                             <m:sSub>
                               <m:sSubPr>
                                 <m:ctrlPr>
-                                  <a:rPr lang="en-HK" i="1"/>
+                                  <a:rPr lang="en-HK" i="1">
+                                    <a:latin typeface="Cambria Math" panose="02040503050406030204" pitchFamily="18" charset="0"/>
+                                  </a:rPr>
                                 </m:ctrlPr>
                               </m:sSubPr>
                               <m:e>
                                 <m:r>
-                                  <a:rPr lang="en-US" i="1"/>
+                                  <a:rPr lang="en-US" i="1">
+                                    <a:latin typeface="Cambria Math" panose="02040503050406030204" pitchFamily="18" charset="0"/>
+                                  </a:rPr>
                                   <m:t>𝐴</m:t>
                                 </m:r>
                               </m:e>
                               <m:sub>
                                 <m:r>
-                                  <a:rPr lang="en-US" i="1"/>
+                                  <a:rPr lang="en-US" i="1">
+                                    <a:latin typeface="Cambria Math" panose="02040503050406030204" pitchFamily="18" charset="0"/>
+                                  </a:rPr>
                                   <m:t>𝑖</m:t>
                                 </m:r>
                               </m:sub>
@@ -20936,42 +21144,58 @@
                           </m:e>
                         </m:d>
                         <m:r>
-                          <a:rPr lang="en-US" i="1"/>
+                          <a:rPr lang="en-US" i="1">
+                            <a:latin typeface="Cambria Math" panose="02040503050406030204" pitchFamily="18" charset="0"/>
+                          </a:rPr>
                           <m:t>𝑃</m:t>
                         </m:r>
                         <m:r>
-                          <a:rPr lang="en-US" i="1"/>
+                          <a:rPr lang="en-US" i="1">
+                            <a:latin typeface="Cambria Math" panose="02040503050406030204" pitchFamily="18" charset="0"/>
+                          </a:rPr>
                           <m:t>(</m:t>
                         </m:r>
                         <m:r>
-                          <a:rPr lang="en-US" i="1"/>
+                          <a:rPr lang="en-US" i="1">
+                            <a:latin typeface="Cambria Math" panose="02040503050406030204" pitchFamily="18" charset="0"/>
+                          </a:rPr>
                           <m:t>𝐵</m:t>
                         </m:r>
                         <m:r>
-                          <a:rPr lang="en-US" i="1"/>
+                          <a:rPr lang="en-US" i="1">
+                            <a:latin typeface="Cambria Math" panose="02040503050406030204" pitchFamily="18" charset="0"/>
+                          </a:rPr>
                           <m:t>|</m:t>
                         </m:r>
                         <m:sSub>
                           <m:sSubPr>
                             <m:ctrlPr>
-                              <a:rPr lang="en-HK" i="1"/>
+                              <a:rPr lang="en-HK" i="1">
+                                <a:latin typeface="Cambria Math" panose="02040503050406030204" pitchFamily="18" charset="0"/>
+                              </a:rPr>
                             </m:ctrlPr>
                           </m:sSubPr>
                           <m:e>
                             <m:r>
-                              <a:rPr lang="en-US" i="1"/>
+                              <a:rPr lang="en-US" i="1">
+                                <a:latin typeface="Cambria Math" panose="02040503050406030204" pitchFamily="18" charset="0"/>
+                              </a:rPr>
                               <m:t>𝐴</m:t>
                             </m:r>
                           </m:e>
                           <m:sub>
                             <m:r>
-                              <a:rPr lang="en-US" i="1"/>
+                              <a:rPr lang="en-US" i="1">
+                                <a:latin typeface="Cambria Math" panose="02040503050406030204" pitchFamily="18" charset="0"/>
+                              </a:rPr>
                               <m:t>𝑖</m:t>
                             </m:r>
                           </m:sub>
                         </m:sSub>
                         <m:r>
-                          <a:rPr lang="en-US" i="1"/>
+                          <a:rPr lang="en-US" i="1">
+                            <a:latin typeface="Cambria Math" panose="02040503050406030204" pitchFamily="18" charset="0"/>
+                          </a:rPr>
                           <m:t>)</m:t>
                         </m:r>
                       </m:num>
@@ -20981,28 +21205,38 @@
                             <m:chr m:val="∑"/>
                             <m:limLoc m:val="subSup"/>
                             <m:ctrlPr>
-                              <a:rPr lang="en-HK" i="1"/>
+                              <a:rPr lang="en-HK" i="1">
+                                <a:latin typeface="Cambria Math" panose="02040503050406030204" pitchFamily="18" charset="0"/>
+                              </a:rPr>
                             </m:ctrlPr>
                           </m:naryPr>
                           <m:sub>
                             <m:r>
-                              <a:rPr lang="en-US" i="1"/>
+                              <a:rPr lang="en-US" i="1">
+                                <a:latin typeface="Cambria Math" panose="02040503050406030204" pitchFamily="18" charset="0"/>
+                              </a:rPr>
                               <m:t>𝑗</m:t>
                             </m:r>
                             <m:r>
-                              <a:rPr lang="en-US" i="1"/>
+                              <a:rPr lang="en-US" i="1">
+                                <a:latin typeface="Cambria Math" panose="02040503050406030204" pitchFamily="18" charset="0"/>
+                              </a:rPr>
                               <m:t>=1</m:t>
                             </m:r>
                           </m:sub>
                           <m:sup>
                             <m:r>
-                              <a:rPr lang="en-US" i="1"/>
+                              <a:rPr lang="en-US" i="1">
+                                <a:latin typeface="Cambria Math" panose="02040503050406030204" pitchFamily="18" charset="0"/>
+                              </a:rPr>
                               <m:t>𝑘</m:t>
                             </m:r>
                           </m:sup>
                           <m:e>
                             <m:r>
-                              <a:rPr lang="en-US" i="1"/>
+                              <a:rPr lang="en-US" i="1">
+                                <a:latin typeface="Cambria Math" panose="02040503050406030204" pitchFamily="18" charset="0"/>
+                              </a:rPr>
                               <m:t>𝑃</m:t>
                             </m:r>
                             <m:r>
@@ -21055,34 +21289,46 @@
                               <m:t>)</m:t>
                             </m:r>
                             <m:r>
-                              <a:rPr lang="en-US" i="1"/>
+                              <a:rPr lang="en-US" i="1">
+                                <a:latin typeface="Cambria Math" panose="02040503050406030204" pitchFamily="18" charset="0"/>
+                              </a:rPr>
                               <m:t>𝑃</m:t>
                             </m:r>
                             <m:r>
-                              <a:rPr lang="en-US" i="1"/>
+                              <a:rPr lang="en-US" i="1">
+                                <a:latin typeface="Cambria Math" panose="02040503050406030204" pitchFamily="18" charset="0"/>
+                              </a:rPr>
                               <m:t>(</m:t>
                             </m:r>
                             <m:sSub>
                               <m:sSubPr>
                                 <m:ctrlPr>
-                                  <a:rPr lang="en-HK" i="1"/>
+                                  <a:rPr lang="en-HK" i="1">
+                                    <a:latin typeface="Cambria Math" panose="02040503050406030204" pitchFamily="18" charset="0"/>
+                                  </a:rPr>
                                 </m:ctrlPr>
                               </m:sSubPr>
                               <m:e>
                                 <m:r>
-                                  <a:rPr lang="en-US" i="1"/>
+                                  <a:rPr lang="en-US" i="1">
+                                    <a:latin typeface="Cambria Math" panose="02040503050406030204" pitchFamily="18" charset="0"/>
+                                  </a:rPr>
                                   <m:t>𝐴</m:t>
                                 </m:r>
                               </m:e>
                               <m:sub>
                                 <m:r>
-                                  <a:rPr lang="en-US" i="1"/>
+                                  <a:rPr lang="en-US" i="1">
+                                    <a:latin typeface="Cambria Math" panose="02040503050406030204" pitchFamily="18" charset="0"/>
+                                  </a:rPr>
                                   <m:t>𝑗</m:t>
                                 </m:r>
                               </m:sub>
                             </m:sSub>
                             <m:r>
-                              <a:rPr lang="en-US" i="1"/>
+                              <a:rPr lang="en-US" i="1">
+                                <a:latin typeface="Cambria Math" panose="02040503050406030204" pitchFamily="18" charset="0"/>
+                              </a:rPr>
                               <m:t>)</m:t>
                             </m:r>
                           </m:e>
@@ -21147,7 +21393,7 @@
             </p:txBody>
           </p:sp>
         </mc:Choice>
-        <mc:Fallback>
+        <mc:Fallback xmlns="">
           <p:sp>
             <p:nvSpPr>
               <p:cNvPr id="3" name="Content Placeholder 2">
@@ -21245,8 +21491,8 @@
           </a:p>
         </p:txBody>
       </p:sp>
-      <mc:AlternateContent xmlns:mc="http://schemas.openxmlformats.org/markup-compatibility/2006">
-        <mc:Choice xmlns:a14="http://schemas.microsoft.com/office/drawing/2010/main" Requires="a14">
+      <mc:AlternateContent xmlns:mc="http://schemas.openxmlformats.org/markup-compatibility/2006" xmlns:a14="http://schemas.microsoft.com/office/drawing/2010/main">
+        <mc:Choice Requires="a14">
           <p:sp>
             <p:nvSpPr>
               <p:cNvPr id="4" name="Content Placeholder 3">
@@ -21325,48 +21571,68 @@
                 <a14:m>
                   <m:oMath xmlns:m="http://schemas.openxmlformats.org/officeDocument/2006/math">
                     <m:r>
-                      <a:rPr lang="en-US" i="1"/>
+                      <a:rPr lang="en-US" i="1">
+                        <a:latin typeface="Cambria Math" panose="02040503050406030204" pitchFamily="18" charset="0"/>
+                      </a:rPr>
                       <m:t>𝑓</m:t>
                     </m:r>
                     <m:d>
                       <m:dPr>
                         <m:ctrlPr>
-                          <a:rPr lang="en-HK" i="1"/>
+                          <a:rPr lang="en-HK" i="1">
+                            <a:latin typeface="Cambria Math" panose="02040503050406030204" pitchFamily="18" charset="0"/>
+                          </a:rPr>
                         </m:ctrlPr>
                       </m:dPr>
                       <m:e>
                         <m:r>
-                          <a:rPr lang="en-US" i="1"/>
+                          <a:rPr lang="en-US" i="1">
+                            <a:latin typeface="Cambria Math" panose="02040503050406030204" pitchFamily="18" charset="0"/>
+                          </a:rPr>
                           <m:t>𝑥</m:t>
                         </m:r>
                       </m:e>
                     </m:d>
                     <m:r>
-                      <a:rPr lang="en-US" i="1"/>
+                      <a:rPr lang="en-US" i="1">
+                        <a:latin typeface="Cambria Math" panose="02040503050406030204" pitchFamily="18" charset="0"/>
+                      </a:rPr>
                       <m:t>=</m:t>
                     </m:r>
                     <m:r>
-                      <a:rPr lang="en-US" i="1"/>
+                      <a:rPr lang="en-US" i="1">
+                        <a:latin typeface="Cambria Math" panose="02040503050406030204" pitchFamily="18" charset="0"/>
+                      </a:rPr>
                       <m:t>𝑃</m:t>
                     </m:r>
                     <m:r>
-                      <a:rPr lang="en-US" i="1"/>
+                      <a:rPr lang="en-US" i="1">
+                        <a:latin typeface="Cambria Math" panose="02040503050406030204" pitchFamily="18" charset="0"/>
+                      </a:rPr>
                       <m:t>(</m:t>
                     </m:r>
                     <m:r>
-                      <a:rPr lang="en-US" i="1"/>
+                      <a:rPr lang="en-US" i="1">
+                        <a:latin typeface="Cambria Math" panose="02040503050406030204" pitchFamily="18" charset="0"/>
+                      </a:rPr>
                       <m:t>𝑋</m:t>
                     </m:r>
                     <m:r>
-                      <a:rPr lang="en-US" i="1"/>
+                      <a:rPr lang="en-US" i="1">
+                        <a:latin typeface="Cambria Math" panose="02040503050406030204" pitchFamily="18" charset="0"/>
+                      </a:rPr>
                       <m:t>=</m:t>
                     </m:r>
                     <m:r>
-                      <a:rPr lang="en-US" i="1"/>
+                      <a:rPr lang="en-US" i="1">
+                        <a:latin typeface="Cambria Math" panose="02040503050406030204" pitchFamily="18" charset="0"/>
+                      </a:rPr>
                       <m:t>𝑥</m:t>
                     </m:r>
                     <m:r>
-                      <a:rPr lang="en-US" i="1"/>
+                      <a:rPr lang="en-US" i="1">
+                        <a:latin typeface="Cambria Math" panose="02040503050406030204" pitchFamily="18" charset="0"/>
+                      </a:rPr>
                       <m:t>)</m:t>
                     </m:r>
                   </m:oMath>
@@ -21388,32 +21654,44 @@
                 <a14:m>
                   <m:oMath xmlns:m="http://schemas.openxmlformats.org/officeDocument/2006/math">
                     <m:r>
-                      <a:rPr lang="en-US" i="1"/>
+                      <a:rPr lang="en-US" i="1">
+                        <a:latin typeface="Cambria Math" panose="02040503050406030204" pitchFamily="18" charset="0"/>
+                      </a:rPr>
                       <m:t>𝜇</m:t>
                     </m:r>
                     <m:r>
-                      <a:rPr lang="en-US" i="1"/>
+                      <a:rPr lang="en-US" i="1">
+                        <a:latin typeface="Cambria Math" panose="02040503050406030204" pitchFamily="18" charset="0"/>
+                      </a:rPr>
                       <m:t>=</m:t>
                     </m:r>
                     <m:r>
-                      <a:rPr lang="en-US" i="1"/>
+                      <a:rPr lang="en-US" i="1">
+                        <a:latin typeface="Cambria Math" panose="02040503050406030204" pitchFamily="18" charset="0"/>
+                      </a:rPr>
                       <m:t>𝐸</m:t>
                     </m:r>
                     <m:d>
                       <m:dPr>
                         <m:ctrlPr>
-                          <a:rPr lang="en-HK" i="1"/>
+                          <a:rPr lang="en-HK" i="1">
+                            <a:latin typeface="Cambria Math" panose="02040503050406030204" pitchFamily="18" charset="0"/>
+                          </a:rPr>
                         </m:ctrlPr>
                       </m:dPr>
                       <m:e>
                         <m:r>
-                          <a:rPr lang="en-US" i="1"/>
+                          <a:rPr lang="en-US" i="1">
+                            <a:latin typeface="Cambria Math" panose="02040503050406030204" pitchFamily="18" charset="0"/>
+                          </a:rPr>
                           <m:t>𝑋</m:t>
                         </m:r>
                       </m:e>
                     </m:d>
                     <m:r>
-                      <a:rPr lang="en-US" i="1"/>
+                      <a:rPr lang="en-US" i="1">
+                        <a:latin typeface="Cambria Math" panose="02040503050406030204" pitchFamily="18" charset="0"/>
+                      </a:rPr>
                       <m:t>=</m:t>
                     </m:r>
                     <m:nary>
@@ -21421,22 +21699,30 @@
                         <m:chr m:val="∑"/>
                         <m:limLoc m:val="subSup"/>
                         <m:ctrlPr>
-                          <a:rPr lang="en-HK" i="1"/>
+                          <a:rPr lang="en-HK" i="1">
+                            <a:latin typeface="Cambria Math" panose="02040503050406030204" pitchFamily="18" charset="0"/>
+                          </a:rPr>
                         </m:ctrlPr>
                       </m:naryPr>
                       <m:sub>
                         <m:r>
-                          <a:rPr lang="en-US" i="1"/>
+                          <a:rPr lang="en-US" i="1">
+                            <a:latin typeface="Cambria Math" panose="02040503050406030204" pitchFamily="18" charset="0"/>
+                          </a:rPr>
                           <m:t>𝑖</m:t>
                         </m:r>
                         <m:r>
-                          <a:rPr lang="en-US" i="1"/>
+                          <a:rPr lang="en-US" i="1">
+                            <a:latin typeface="Cambria Math" panose="02040503050406030204" pitchFamily="18" charset="0"/>
+                          </a:rPr>
                           <m:t>=1</m:t>
                         </m:r>
                       </m:sub>
                       <m:sup>
                         <m:r>
-                          <a:rPr lang="en-US" i="1"/>
+                          <a:rPr lang="en-US" i="1">
+                            <a:latin typeface="Cambria Math" panose="02040503050406030204" pitchFamily="18" charset="0"/>
+                          </a:rPr>
                           <m:t>𝑛</m:t>
                         </m:r>
                       </m:sup>
@@ -21444,59 +21730,81 @@
                         <m:sSub>
                           <m:sSubPr>
                             <m:ctrlPr>
-                              <a:rPr lang="en-HK" i="1"/>
+                              <a:rPr lang="en-HK" i="1">
+                                <a:latin typeface="Cambria Math" panose="02040503050406030204" pitchFamily="18" charset="0"/>
+                              </a:rPr>
                             </m:ctrlPr>
                           </m:sSubPr>
                           <m:e>
                             <m:r>
-                              <a:rPr lang="en-US" i="1"/>
+                              <a:rPr lang="en-US" i="1">
+                                <a:latin typeface="Cambria Math" panose="02040503050406030204" pitchFamily="18" charset="0"/>
+                              </a:rPr>
                               <m:t>𝑥</m:t>
                             </m:r>
                           </m:e>
                           <m:sub>
                             <m:r>
-                              <a:rPr lang="en-US" i="1"/>
+                              <a:rPr lang="en-US" i="1">
+                                <a:latin typeface="Cambria Math" panose="02040503050406030204" pitchFamily="18" charset="0"/>
+                              </a:rPr>
                               <m:t>𝑖</m:t>
                             </m:r>
                           </m:sub>
                         </m:sSub>
                         <m:r>
-                          <a:rPr lang="en-US" i="1"/>
+                          <a:rPr lang="en-US" i="1">
+                            <a:latin typeface="Cambria Math" panose="02040503050406030204" pitchFamily="18" charset="0"/>
+                          </a:rPr>
                           <m:t>𝑃</m:t>
                         </m:r>
                         <m:r>
-                          <a:rPr lang="en-US" i="1"/>
+                          <a:rPr lang="en-US" i="1">
+                            <a:latin typeface="Cambria Math" panose="02040503050406030204" pitchFamily="18" charset="0"/>
+                          </a:rPr>
                           <m:t>(</m:t>
                         </m:r>
                         <m:r>
-                          <a:rPr lang="en-US" i="1"/>
+                          <a:rPr lang="en-US" i="1">
+                            <a:latin typeface="Cambria Math" panose="02040503050406030204" pitchFamily="18" charset="0"/>
+                          </a:rPr>
                           <m:t>𝑋</m:t>
                         </m:r>
                         <m:r>
-                          <a:rPr lang="en-US" i="1"/>
+                          <a:rPr lang="en-US" i="1">
+                            <a:latin typeface="Cambria Math" panose="02040503050406030204" pitchFamily="18" charset="0"/>
+                          </a:rPr>
                           <m:t>=</m:t>
                         </m:r>
                         <m:sSub>
                           <m:sSubPr>
                             <m:ctrlPr>
-                              <a:rPr lang="en-HK" i="1"/>
+                              <a:rPr lang="en-HK" i="1">
+                                <a:latin typeface="Cambria Math" panose="02040503050406030204" pitchFamily="18" charset="0"/>
+                              </a:rPr>
                             </m:ctrlPr>
                           </m:sSubPr>
                           <m:e>
                             <m:r>
-                              <a:rPr lang="en-US" i="1"/>
+                              <a:rPr lang="en-US" i="1">
+                                <a:latin typeface="Cambria Math" panose="02040503050406030204" pitchFamily="18" charset="0"/>
+                              </a:rPr>
                               <m:t>𝑥</m:t>
                             </m:r>
                           </m:e>
                           <m:sub>
                             <m:r>
-                              <a:rPr lang="en-US" i="1"/>
+                              <a:rPr lang="en-US" i="1">
+                                <a:latin typeface="Cambria Math" panose="02040503050406030204" pitchFamily="18" charset="0"/>
+                              </a:rPr>
                               <m:t>𝑖</m:t>
                             </m:r>
                           </m:sub>
                         </m:sSub>
                         <m:r>
-                          <a:rPr lang="en-US" i="1"/>
+                          <a:rPr lang="en-US" i="1">
+                            <a:latin typeface="Cambria Math" panose="02040503050406030204" pitchFamily="18" charset="0"/>
+                          </a:rPr>
                           <m:t>)</m:t>
                         </m:r>
                       </m:e>
@@ -21570,45 +21878,61 @@
                     <m:sSup>
                       <m:sSupPr>
                         <m:ctrlPr>
-                          <a:rPr lang="en-HK" i="1"/>
+                          <a:rPr lang="en-HK" i="1">
+                            <a:latin typeface="Cambria Math" panose="02040503050406030204" pitchFamily="18" charset="0"/>
+                          </a:rPr>
                         </m:ctrlPr>
                       </m:sSupPr>
                       <m:e>
                         <m:r>
-                          <a:rPr lang="en-US" i="1"/>
+                          <a:rPr lang="en-US" i="1">
+                            <a:latin typeface="Cambria Math" panose="02040503050406030204" pitchFamily="18" charset="0"/>
+                          </a:rPr>
                           <m:t>𝜎</m:t>
                         </m:r>
                       </m:e>
                       <m:sup>
                         <m:r>
-                          <a:rPr lang="en-US" i="1"/>
+                          <a:rPr lang="en-US" i="1">
+                            <a:latin typeface="Cambria Math" panose="02040503050406030204" pitchFamily="18" charset="0"/>
+                          </a:rPr>
                           <m:t>2</m:t>
                         </m:r>
                       </m:sup>
                     </m:sSup>
                     <m:r>
-                      <a:rPr lang="en-US" i="1"/>
+                      <a:rPr lang="en-US" i="1">
+                        <a:latin typeface="Cambria Math" panose="02040503050406030204" pitchFamily="18" charset="0"/>
+                      </a:rPr>
                       <m:t>=</m:t>
                     </m:r>
                     <m:r>
-                      <a:rPr lang="en-US" i="1"/>
+                      <a:rPr lang="en-US" i="1">
+                        <a:latin typeface="Cambria Math" panose="02040503050406030204" pitchFamily="18" charset="0"/>
+                      </a:rPr>
                       <m:t>𝑉𝑎𝑟</m:t>
                     </m:r>
                     <m:d>
                       <m:dPr>
                         <m:ctrlPr>
-                          <a:rPr lang="en-HK" i="1"/>
+                          <a:rPr lang="en-HK" i="1">
+                            <a:latin typeface="Cambria Math" panose="02040503050406030204" pitchFamily="18" charset="0"/>
+                          </a:rPr>
                         </m:ctrlPr>
                       </m:dPr>
                       <m:e>
                         <m:r>
-                          <a:rPr lang="en-US" i="1"/>
+                          <a:rPr lang="en-US" i="1">
+                            <a:latin typeface="Cambria Math" panose="02040503050406030204" pitchFamily="18" charset="0"/>
+                          </a:rPr>
                           <m:t>𝑋</m:t>
                         </m:r>
                       </m:e>
                     </m:d>
                     <m:r>
-                      <a:rPr lang="en-US" i="1"/>
+                      <a:rPr lang="en-US" i="1">
+                        <a:latin typeface="Cambria Math" panose="02040503050406030204" pitchFamily="18" charset="0"/>
+                      </a:rPr>
                       <m:t>=</m:t>
                     </m:r>
                     <m:nary>
@@ -21616,22 +21940,30 @@
                         <m:chr m:val="∑"/>
                         <m:limLoc m:val="subSup"/>
                         <m:ctrlPr>
-                          <a:rPr lang="en-HK" i="1"/>
+                          <a:rPr lang="en-HK" i="1">
+                            <a:latin typeface="Cambria Math" panose="02040503050406030204" pitchFamily="18" charset="0"/>
+                          </a:rPr>
                         </m:ctrlPr>
                       </m:naryPr>
                       <m:sub>
                         <m:r>
-                          <a:rPr lang="en-US" i="1"/>
+                          <a:rPr lang="en-US" i="1">
+                            <a:latin typeface="Cambria Math" panose="02040503050406030204" pitchFamily="18" charset="0"/>
+                          </a:rPr>
                           <m:t>𝑖</m:t>
                         </m:r>
                         <m:r>
-                          <a:rPr lang="en-US" i="1"/>
+                          <a:rPr lang="en-US" i="1">
+                            <a:latin typeface="Cambria Math" panose="02040503050406030204" pitchFamily="18" charset="0"/>
+                          </a:rPr>
                           <m:t>=1</m:t>
                         </m:r>
                       </m:sub>
                       <m:sup>
                         <m:r>
-                          <a:rPr lang="en-US" i="1"/>
+                          <a:rPr lang="en-US" i="1">
+                            <a:latin typeface="Cambria Math" panose="02040503050406030204" pitchFamily="18" charset="0"/>
+                          </a:rPr>
                           <m:t>𝑛</m:t>
                         </m:r>
                       </m:sup>
@@ -21639,42 +21971,56 @@
                         <m:sSup>
                           <m:sSupPr>
                             <m:ctrlPr>
-                              <a:rPr lang="en-HK" i="1"/>
+                              <a:rPr lang="en-HK" i="1">
+                                <a:latin typeface="Cambria Math" panose="02040503050406030204" pitchFamily="18" charset="0"/>
+                              </a:rPr>
                             </m:ctrlPr>
                           </m:sSupPr>
                           <m:e>
                             <m:d>
                               <m:dPr>
                                 <m:ctrlPr>
-                                  <a:rPr lang="en-HK" i="1"/>
+                                  <a:rPr lang="en-HK" i="1">
+                                    <a:latin typeface="Cambria Math" panose="02040503050406030204" pitchFamily="18" charset="0"/>
+                                  </a:rPr>
                                 </m:ctrlPr>
                               </m:dPr>
                               <m:e>
                                 <m:sSub>
                                   <m:sSubPr>
                                     <m:ctrlPr>
-                                      <a:rPr lang="en-HK" i="1"/>
+                                      <a:rPr lang="en-HK" i="1">
+                                        <a:latin typeface="Cambria Math" panose="02040503050406030204" pitchFamily="18" charset="0"/>
+                                      </a:rPr>
                                     </m:ctrlPr>
                                   </m:sSubPr>
                                   <m:e>
                                     <m:r>
-                                      <a:rPr lang="en-US" i="1"/>
+                                      <a:rPr lang="en-US" i="1">
+                                        <a:latin typeface="Cambria Math" panose="02040503050406030204" pitchFamily="18" charset="0"/>
+                                      </a:rPr>
                                       <m:t>𝑥</m:t>
                                     </m:r>
                                   </m:e>
                                   <m:sub>
                                     <m:r>
-                                      <a:rPr lang="en-US" i="1"/>
+                                      <a:rPr lang="en-US" i="1">
+                                        <a:latin typeface="Cambria Math" panose="02040503050406030204" pitchFamily="18" charset="0"/>
+                                      </a:rPr>
                                       <m:t>𝑖</m:t>
                                     </m:r>
                                   </m:sub>
                                 </m:sSub>
                                 <m:r>
-                                  <a:rPr lang="en-US" i="1"/>
+                                  <a:rPr lang="en-US" i="1">
+                                    <a:latin typeface="Cambria Math" panose="02040503050406030204" pitchFamily="18" charset="0"/>
+                                  </a:rPr>
                                   <m:t>−</m:t>
                                 </m:r>
                                 <m:r>
-                                  <a:rPr lang="en-US" i="1"/>
+                                  <a:rPr lang="en-US" i="1">
+                                    <a:latin typeface="Cambria Math" panose="02040503050406030204" pitchFamily="18" charset="0"/>
+                                  </a:rPr>
                                   <m:t>𝜇</m:t>
                                 </m:r>
                               </m:e>
@@ -21682,48 +22028,66 @@
                           </m:e>
                           <m:sup>
                             <m:r>
-                              <a:rPr lang="en-US" i="1"/>
+                              <a:rPr lang="en-US" i="1">
+                                <a:latin typeface="Cambria Math" panose="02040503050406030204" pitchFamily="18" charset="0"/>
+                              </a:rPr>
                               <m:t>2</m:t>
                             </m:r>
                           </m:sup>
                         </m:sSup>
                         <m:r>
-                          <a:rPr lang="en-US" i="1"/>
+                          <a:rPr lang="en-US" i="1">
+                            <a:latin typeface="Cambria Math" panose="02040503050406030204" pitchFamily="18" charset="0"/>
+                          </a:rPr>
                           <m:t>𝑃</m:t>
                         </m:r>
                         <m:r>
-                          <a:rPr lang="en-US" i="1"/>
+                          <a:rPr lang="en-US" i="1">
+                            <a:latin typeface="Cambria Math" panose="02040503050406030204" pitchFamily="18" charset="0"/>
+                          </a:rPr>
                           <m:t>(</m:t>
                         </m:r>
                         <m:r>
-                          <a:rPr lang="en-US" i="1"/>
+                          <a:rPr lang="en-US" i="1">
+                            <a:latin typeface="Cambria Math" panose="02040503050406030204" pitchFamily="18" charset="0"/>
+                          </a:rPr>
                           <m:t>𝑋</m:t>
                         </m:r>
                         <m:r>
-                          <a:rPr lang="en-US" i="1"/>
+                          <a:rPr lang="en-US" i="1">
+                            <a:latin typeface="Cambria Math" panose="02040503050406030204" pitchFamily="18" charset="0"/>
+                          </a:rPr>
                           <m:t>=</m:t>
                         </m:r>
                         <m:sSub>
                           <m:sSubPr>
                             <m:ctrlPr>
-                              <a:rPr lang="en-HK" i="1"/>
+                              <a:rPr lang="en-HK" i="1">
+                                <a:latin typeface="Cambria Math" panose="02040503050406030204" pitchFamily="18" charset="0"/>
+                              </a:rPr>
                             </m:ctrlPr>
                           </m:sSubPr>
                           <m:e>
                             <m:r>
-                              <a:rPr lang="en-US" i="1"/>
+                              <a:rPr lang="en-US" i="1">
+                                <a:latin typeface="Cambria Math" panose="02040503050406030204" pitchFamily="18" charset="0"/>
+                              </a:rPr>
                               <m:t>𝑥</m:t>
                             </m:r>
                           </m:e>
                           <m:sub>
                             <m:r>
-                              <a:rPr lang="en-US" i="1"/>
+                              <a:rPr lang="en-US" i="1">
+                                <a:latin typeface="Cambria Math" panose="02040503050406030204" pitchFamily="18" charset="0"/>
+                              </a:rPr>
                               <m:t>𝑖</m:t>
                             </m:r>
                           </m:sub>
                         </m:sSub>
                         <m:r>
-                          <a:rPr lang="en-US" i="1"/>
+                          <a:rPr lang="en-US" i="1">
+                            <a:latin typeface="Cambria Math" panose="02040503050406030204" pitchFamily="18" charset="0"/>
+                          </a:rPr>
                           <m:t>)</m:t>
                         </m:r>
                       </m:e>
@@ -21748,47 +22112,65 @@
                 <a14:m>
                   <m:oMath xmlns:m="http://schemas.openxmlformats.org/officeDocument/2006/math">
                     <m:r>
-                      <a:rPr lang="en-US" i="1"/>
+                      <a:rPr lang="en-US" i="1">
+                        <a:latin typeface="Cambria Math" panose="02040503050406030204" pitchFamily="18" charset="0"/>
+                      </a:rPr>
                       <m:t>𝑉𝑎𝑟</m:t>
                     </m:r>
                     <m:r>
-                      <a:rPr lang="en-US" i="1"/>
+                      <a:rPr lang="en-US" i="1">
+                        <a:latin typeface="Cambria Math" panose="02040503050406030204" pitchFamily="18" charset="0"/>
+                      </a:rPr>
                       <m:t>(</m:t>
                     </m:r>
                     <m:r>
-                      <a:rPr lang="en-US" i="1"/>
+                      <a:rPr lang="en-US" i="1">
+                        <a:latin typeface="Cambria Math" panose="02040503050406030204" pitchFamily="18" charset="0"/>
+                      </a:rPr>
                       <m:t>𝑋</m:t>
                     </m:r>
                     <m:r>
-                      <a:rPr lang="en-US" i="1"/>
+                      <a:rPr lang="en-US" i="1">
+                        <a:latin typeface="Cambria Math" panose="02040503050406030204" pitchFamily="18" charset="0"/>
+                      </a:rPr>
                       <m:t>)=</m:t>
                     </m:r>
                     <m:r>
-                      <a:rPr lang="en-US" i="1"/>
+                      <a:rPr lang="en-US" i="1">
+                        <a:latin typeface="Cambria Math" panose="02040503050406030204" pitchFamily="18" charset="0"/>
+                      </a:rPr>
                       <m:t>𝐸</m:t>
                     </m:r>
                     <m:d>
                       <m:dPr>
                         <m:ctrlPr>
-                          <a:rPr lang="en-HK" i="1"/>
+                          <a:rPr lang="en-HK" i="1">
+                            <a:latin typeface="Cambria Math" panose="02040503050406030204" pitchFamily="18" charset="0"/>
+                          </a:rPr>
                         </m:ctrlPr>
                       </m:dPr>
                       <m:e>
                         <m:sSup>
                           <m:sSupPr>
                             <m:ctrlPr>
-                              <a:rPr lang="en-HK" i="1"/>
+                              <a:rPr lang="en-HK" i="1">
+                                <a:latin typeface="Cambria Math" panose="02040503050406030204" pitchFamily="18" charset="0"/>
+                              </a:rPr>
                             </m:ctrlPr>
                           </m:sSupPr>
                           <m:e>
                             <m:r>
-                              <a:rPr lang="en-US" i="1"/>
+                              <a:rPr lang="en-US" i="1">
+                                <a:latin typeface="Cambria Math" panose="02040503050406030204" pitchFamily="18" charset="0"/>
+                              </a:rPr>
                               <m:t>𝑋</m:t>
                             </m:r>
                           </m:e>
                           <m:sup>
                             <m:r>
-                              <a:rPr lang="en-US" i="1"/>
+                              <a:rPr lang="en-US" i="1">
+                                <a:latin typeface="Cambria Math" panose="02040503050406030204" pitchFamily="18" charset="0"/>
+                              </a:rPr>
                               <m:t>2</m:t>
                             </m:r>
                           </m:sup>
@@ -21796,13 +22178,17 @@
                       </m:e>
                     </m:d>
                     <m:r>
-                      <a:rPr lang="en-US" i="1"/>
+                      <a:rPr lang="en-US" i="1">
+                        <a:latin typeface="Cambria Math" panose="02040503050406030204" pitchFamily="18" charset="0"/>
+                      </a:rPr>
                       <m:t>−</m:t>
                     </m:r>
                     <m:sSup>
                       <m:sSupPr>
                         <m:ctrlPr>
-                          <a:rPr lang="en-HK" i="1"/>
+                          <a:rPr lang="en-HK" i="1">
+                            <a:latin typeface="Cambria Math" panose="02040503050406030204" pitchFamily="18" charset="0"/>
+                          </a:rPr>
                         </m:ctrlPr>
                       </m:sSupPr>
                       <m:e>
@@ -21811,23 +22197,31 @@
                             <m:begChr m:val="["/>
                             <m:endChr m:val="]"/>
                             <m:ctrlPr>
-                              <a:rPr lang="en-HK" i="1"/>
+                              <a:rPr lang="en-HK" i="1">
+                                <a:latin typeface="Cambria Math" panose="02040503050406030204" pitchFamily="18" charset="0"/>
+                              </a:rPr>
                             </m:ctrlPr>
                           </m:dPr>
                           <m:e>
                             <m:r>
-                              <a:rPr lang="en-US" i="1"/>
+                              <a:rPr lang="en-US" i="1">
+                                <a:latin typeface="Cambria Math" panose="02040503050406030204" pitchFamily="18" charset="0"/>
+                              </a:rPr>
                               <m:t>𝐸</m:t>
                             </m:r>
                             <m:d>
                               <m:dPr>
                                 <m:ctrlPr>
-                                  <a:rPr lang="en-HK" i="1"/>
+                                  <a:rPr lang="en-HK" i="1">
+                                    <a:latin typeface="Cambria Math" panose="02040503050406030204" pitchFamily="18" charset="0"/>
+                                  </a:rPr>
                                 </m:ctrlPr>
                               </m:dPr>
                               <m:e>
                                 <m:r>
-                                  <a:rPr lang="en-US" i="1"/>
+                                  <a:rPr lang="en-US" i="1">
+                                    <a:latin typeface="Cambria Math" panose="02040503050406030204" pitchFamily="18" charset="0"/>
+                                  </a:rPr>
                                   <m:t>𝑋</m:t>
                                 </m:r>
                               </m:e>
@@ -21837,7 +22231,9 @@
                       </m:e>
                       <m:sup>
                         <m:r>
-                          <a:rPr lang="en-US" i="1"/>
+                          <a:rPr lang="en-US" i="1">
+                            <a:latin typeface="Cambria Math" panose="02040503050406030204" pitchFamily="18" charset="0"/>
+                          </a:rPr>
                           <m:t>2</m:t>
                         </m:r>
                       </m:sup>
@@ -21855,7 +22251,7 @@
             </p:txBody>
           </p:sp>
         </mc:Choice>
-        <mc:Fallback>
+        <mc:Fallback xmlns="">
           <p:sp>
             <p:nvSpPr>
               <p:cNvPr id="4" name="Content Placeholder 3">
@@ -21957,8 +22353,8 @@
           </a:p>
         </p:txBody>
       </p:sp>
-      <mc:AlternateContent xmlns:mc="http://schemas.openxmlformats.org/markup-compatibility/2006">
-        <mc:Choice xmlns:a14="http://schemas.microsoft.com/office/drawing/2010/main" Requires="a14">
+      <mc:AlternateContent xmlns:mc="http://schemas.openxmlformats.org/markup-compatibility/2006" xmlns:a14="http://schemas.microsoft.com/office/drawing/2010/main">
+        <mc:Choice Requires="a14">
           <p:sp>
             <p:nvSpPr>
               <p:cNvPr id="4" name="Content Placeholder 3">
@@ -22002,19 +22398,27 @@
                 <a14:m>
                   <m:oMath xmlns:m="http://schemas.openxmlformats.org/officeDocument/2006/math">
                     <m:r>
-                      <a:rPr lang="en-US" i="1"/>
+                      <a:rPr lang="en-US" i="1">
+                        <a:latin typeface="Cambria Math" panose="02040503050406030204" pitchFamily="18" charset="0"/>
+                      </a:rPr>
                       <m:t>𝑓</m:t>
                     </m:r>
                     <m:r>
-                      <a:rPr lang="en-US" i="1"/>
+                      <a:rPr lang="en-US" i="1">
+                        <a:latin typeface="Cambria Math" panose="02040503050406030204" pitchFamily="18" charset="0"/>
+                      </a:rPr>
                       <m:t>(</m:t>
                     </m:r>
                     <m:r>
-                      <a:rPr lang="en-US" i="1"/>
+                      <a:rPr lang="en-US" i="1">
+                        <a:latin typeface="Cambria Math" panose="02040503050406030204" pitchFamily="18" charset="0"/>
+                      </a:rPr>
                       <m:t>𝑥</m:t>
                     </m:r>
                     <m:r>
-                      <a:rPr lang="en-US" i="1"/>
+                      <a:rPr lang="en-US" i="1">
+                        <a:latin typeface="Cambria Math" panose="02040503050406030204" pitchFamily="18" charset="0"/>
+                      </a:rPr>
                       <m:t>)</m:t>
                     </m:r>
                   </m:oMath>
@@ -22037,40 +22441,56 @@
                 <a14:m>
                   <m:oMath xmlns:m="http://schemas.openxmlformats.org/officeDocument/2006/math">
                     <m:r>
-                      <a:rPr lang="en-US" sz="1400" i="1"/>
+                      <a:rPr lang="en-US" sz="1400" i="1">
+                        <a:latin typeface="Cambria Math" panose="02040503050406030204" pitchFamily="18" charset="0"/>
+                      </a:rPr>
                       <m:t>𝑃</m:t>
                     </m:r>
                     <m:d>
                       <m:dPr>
                         <m:ctrlPr>
-                          <a:rPr lang="en-HK" sz="1400" i="1"/>
+                          <a:rPr lang="en-HK" sz="1400" i="1">
+                            <a:latin typeface="Cambria Math" panose="02040503050406030204" pitchFamily="18" charset="0"/>
+                          </a:rPr>
                         </m:ctrlPr>
                       </m:dPr>
                       <m:e>
                         <m:r>
-                          <a:rPr lang="en-US" sz="1400" i="1"/>
+                          <a:rPr lang="en-US" sz="1400" i="1">
+                            <a:latin typeface="Cambria Math" panose="02040503050406030204" pitchFamily="18" charset="0"/>
+                          </a:rPr>
                           <m:t>𝑎</m:t>
                         </m:r>
                         <m:r>
-                          <a:rPr lang="en-US" sz="1400" i="1"/>
+                          <a:rPr lang="en-US" sz="1400" i="1">
+                            <a:latin typeface="Cambria Math" panose="02040503050406030204" pitchFamily="18" charset="0"/>
+                          </a:rPr>
                           <m:t>≤</m:t>
                         </m:r>
                         <m:r>
-                          <a:rPr lang="en-US" sz="1400" i="1"/>
+                          <a:rPr lang="en-US" sz="1400" i="1">
+                            <a:latin typeface="Cambria Math" panose="02040503050406030204" pitchFamily="18" charset="0"/>
+                          </a:rPr>
                           <m:t>𝑋</m:t>
                         </m:r>
                         <m:r>
-                          <a:rPr lang="en-US" sz="1400" i="1"/>
+                          <a:rPr lang="en-US" sz="1400" i="1">
+                            <a:latin typeface="Cambria Math" panose="02040503050406030204" pitchFamily="18" charset="0"/>
+                          </a:rPr>
                           <m:t>≤</m:t>
                         </m:r>
                         <m:r>
-                          <a:rPr lang="en-US" sz="1400" i="1"/>
+                          <a:rPr lang="en-US" sz="1400" i="1">
+                            <a:latin typeface="Cambria Math" panose="02040503050406030204" pitchFamily="18" charset="0"/>
+                          </a:rPr>
                           <m:t>𝑏</m:t>
                         </m:r>
                       </m:e>
                     </m:d>
                     <m:r>
-                      <a:rPr lang="en-US" sz="1400" i="1"/>
+                      <a:rPr lang="en-US" sz="1400" i="1">
+                        <a:latin typeface="Cambria Math" panose="02040503050406030204" pitchFamily="18" charset="0"/>
+                      </a:rPr>
                       <m:t>=</m:t>
                     </m:r>
                   </m:oMath>
@@ -22086,32 +22506,44 @@
                 <a14:m>
                   <m:oMath xmlns:m="http://schemas.openxmlformats.org/officeDocument/2006/math">
                     <m:r>
-                      <a:rPr lang="en-US" sz="1400" i="1"/>
+                      <a:rPr lang="en-US" sz="1400" i="1">
+                        <a:latin typeface="Cambria Math" panose="02040503050406030204" pitchFamily="18" charset="0"/>
+                      </a:rPr>
                       <m:t>𝑃</m:t>
                     </m:r>
                     <m:d>
                       <m:dPr>
                         <m:ctrlPr>
-                          <a:rPr lang="en-HK" sz="1400" i="1"/>
+                          <a:rPr lang="en-HK" sz="1400" i="1">
+                            <a:latin typeface="Cambria Math" panose="02040503050406030204" pitchFamily="18" charset="0"/>
+                          </a:rPr>
                         </m:ctrlPr>
                       </m:dPr>
                       <m:e>
                         <m:r>
-                          <a:rPr lang="en-US" sz="1400" i="1"/>
+                          <a:rPr lang="en-US" sz="1400" i="1">
+                            <a:latin typeface="Cambria Math" panose="02040503050406030204" pitchFamily="18" charset="0"/>
+                          </a:rPr>
                           <m:t>𝑋</m:t>
                         </m:r>
                         <m:r>
-                          <a:rPr lang="en-US" sz="1400" i="1"/>
+                          <a:rPr lang="en-US" sz="1400" i="1">
+                            <a:latin typeface="Cambria Math" panose="02040503050406030204" pitchFamily="18" charset="0"/>
+                          </a:rPr>
                           <m:t>=</m:t>
                         </m:r>
                         <m:r>
-                          <a:rPr lang="en-US" sz="1400" i="1"/>
+                          <a:rPr lang="en-US" sz="1400" i="1">
+                            <a:latin typeface="Cambria Math" panose="02040503050406030204" pitchFamily="18" charset="0"/>
+                          </a:rPr>
                           <m:t>𝑎</m:t>
                         </m:r>
                       </m:e>
                     </m:d>
                     <m:r>
-                      <a:rPr lang="en-US" sz="1400" i="1"/>
+                      <a:rPr lang="en-US" sz="1400" i="1">
+                        <a:latin typeface="Cambria Math" panose="02040503050406030204" pitchFamily="18" charset="0"/>
+                      </a:rPr>
                       <m:t>=0</m:t>
                     </m:r>
                   </m:oMath>
@@ -22123,7 +22555,9 @@
                 <a14:m>
                   <m:oMath xmlns:m="http://schemas.openxmlformats.org/officeDocument/2006/math">
                     <m:r>
-                      <a:rPr lang="en-US" sz="1400" i="1"/>
+                      <a:rPr lang="en-US" sz="1400" i="1">
+                        <a:latin typeface="Cambria Math" panose="02040503050406030204" pitchFamily="18" charset="0"/>
+                      </a:rPr>
                       <m:t>𝑎</m:t>
                     </m:r>
                   </m:oMath>
@@ -22194,7 +22628,7 @@
             </p:txBody>
           </p:sp>
         </mc:Choice>
-        <mc:Fallback>
+        <mc:Fallback xmlns="">
           <p:sp>
             <p:nvSpPr>
               <p:cNvPr id="4" name="Content Placeholder 3">
@@ -22517,15 +22951,6 @@
 </file>
 
 <file path=customXml/item1.xml><?xml version="1.0" encoding="utf-8"?>
-<p:properties xmlns:p="http://schemas.microsoft.com/office/2006/metadata/properties" xmlns:xsi="http://www.w3.org/2001/XMLSchema-instance" xmlns:pc="http://schemas.microsoft.com/office/infopath/2007/PartnerControls">
-  <documentManagement>
-    <Status xmlns="71af3243-3dd4-4a8d-8c0d-dd76da1f02a5">Not started</Status>
-    <MediaServiceKeyPoints xmlns="71af3243-3dd4-4a8d-8c0d-dd76da1f02a5" xsi:nil="true"/>
-  </documentManagement>
-</p:properties>
-</file>
-
-<file path=customXml/item2.xml><?xml version="1.0" encoding="utf-8"?>
 <ct:contentTypeSchema xmlns:ct="http://schemas.microsoft.com/office/2006/metadata/contentType" xmlns:ma="http://schemas.microsoft.com/office/2006/metadata/properties/metaAttributes" ct:_="" ma:_="" ma:contentTypeName="Document" ma:contentTypeID="0x01010079F111ED35F8CC479449609E8A0923A6" ma:contentTypeVersion="12" ma:contentTypeDescription="Create a new document." ma:contentTypeScope="" ma:versionID="a410dd7f93c95333ffa1b60ed6adedd1">
   <xsd:schema xmlns:xsd="http://www.w3.org/2001/XMLSchema" xmlns:xs="http://www.w3.org/2001/XMLSchema" xmlns:p="http://schemas.microsoft.com/office/2006/metadata/properties" xmlns:ns2="71af3243-3dd4-4a8d-8c0d-dd76da1f02a5" xmlns:ns3="16c05727-aa75-4e4a-9b5f-8a80a1165891" targetNamespace="http://schemas.microsoft.com/office/2006/metadata/properties" ma:root="true" ma:fieldsID="a936d9baba76aa3866493feff160faab" ns2:_="" ns3:_="">
     <xsd:import namespace="71af3243-3dd4-4a8d-8c0d-dd76da1f02a5"/>
@@ -22746,6 +23171,15 @@
 </ct:contentTypeSchema>
 </file>
 
+<file path=customXml/item2.xml><?xml version="1.0" encoding="utf-8"?>
+<p:properties xmlns:p="http://schemas.microsoft.com/office/2006/metadata/properties" xmlns:xsi="http://www.w3.org/2001/XMLSchema-instance" xmlns:pc="http://schemas.microsoft.com/office/infopath/2007/PartnerControls">
+  <documentManagement>
+    <Status xmlns="71af3243-3dd4-4a8d-8c0d-dd76da1f02a5">Not started</Status>
+    <MediaServiceKeyPoints xmlns="71af3243-3dd4-4a8d-8c0d-dd76da1f02a5" xsi:nil="true"/>
+  </documentManagement>
+</p:properties>
+</file>
+
 <file path=customXml/item3.xml><?xml version="1.0" encoding="utf-8"?>
 <?mso-contentType ?>
 <FormTemplates xmlns="http://schemas.microsoft.com/sharepoint/v3/contenttype/forms">
@@ -22756,16 +23190,6 @@
 </file>
 
 <file path=customXml/itemProps1.xml><?xml version="1.0" encoding="utf-8"?>
-<ds:datastoreItem xmlns:ds="http://schemas.openxmlformats.org/officeDocument/2006/customXml" ds:itemID="{FBD2D995-20F0-4C14-BF62-1248AB4B484D}">
-  <ds:schemaRefs>
-    <ds:schemaRef ds:uri="http://schemas.microsoft.com/office/2006/metadata/properties"/>
-    <ds:schemaRef ds:uri="http://schemas.microsoft.com/office/infopath/2007/PartnerControls"/>
-    <ds:schemaRef ds:uri="71af3243-3dd4-4a8d-8c0d-dd76da1f02a5"/>
-  </ds:schemaRefs>
-</ds:datastoreItem>
-</file>
-
-<file path=customXml/itemProps2.xml><?xml version="1.0" encoding="utf-8"?>
 <ds:datastoreItem xmlns:ds="http://schemas.openxmlformats.org/officeDocument/2006/customXml" ds:itemID="{965255AC-12AC-4323-AA35-9BAC798B66BD}">
   <ds:schemaRefs>
     <ds:schemaRef ds:uri="http://schemas.microsoft.com/office/2006/metadata/contentType"/>
@@ -22784,6 +23208,16 @@
 </ds:datastoreItem>
 </file>
 
+<file path=customXml/itemProps2.xml><?xml version="1.0" encoding="utf-8"?>
+<ds:datastoreItem xmlns:ds="http://schemas.openxmlformats.org/officeDocument/2006/customXml" ds:itemID="{FBD2D995-20F0-4C14-BF62-1248AB4B484D}">
+  <ds:schemaRefs>
+    <ds:schemaRef ds:uri="http://schemas.microsoft.com/office/2006/metadata/properties"/>
+    <ds:schemaRef ds:uri="http://schemas.microsoft.com/office/infopath/2007/PartnerControls"/>
+    <ds:schemaRef ds:uri="71af3243-3dd4-4a8d-8c0d-dd76da1f02a5"/>
+  </ds:schemaRefs>
+</ds:datastoreItem>
+</file>
+
 <file path=customXml/itemProps3.xml><?xml version="1.0" encoding="utf-8"?>
 <ds:datastoreItem xmlns:ds="http://schemas.openxmlformats.org/officeDocument/2006/customXml" ds:itemID="{BB3242A4-1E6A-4E02-809C-4A24066EC01D}">
   <ds:schemaRefs>
